--- a/project/output.pptx
+++ b/project/output.pptx
@@ -5,7 +5,11 @@
     <p:sldMasterId id="2147483648" r:id="rId1"/>
   </p:sldMasterIdLst>
   <p:sldIdLst>
-    <p:sldId id="256" r:id="rId2"/>
+    <p:sldId id="256" r:id="rId7"/>
+    <p:sldId id="257" r:id="rId8"/>
+    <p:sldId id="258" r:id="rId9"/>
+    <p:sldId id="259" r:id="rId10"/>
+    <p:sldId id="260" r:id="rId11"/>
   </p:sldIdLst>
   <p:sldSz cx="9144000" cy="6858000" type="screen4x3"/>
   <p:notesSz cx="6858000" cy="9144000"/>
@@ -104,22 +108,6 @@
       </a:defRPr>
     </a:lvl9pPr>
   </p:defaultTextStyle>
-  <p:extLst>
-    <p:ext uri="{EFAFB233-063F-42B5-8137-9DF3F51BA10A}">
-      <p15:sldGuideLst xmlns:p15="http://schemas.microsoft.com/office/powerpoint/2012/main">
-        <p15:guide id="1" orient="horz" pos="2160">
-          <p15:clr>
-            <a:srgbClr val="A4A3A4"/>
-          </p15:clr>
-        </p15:guide>
-        <p15:guide id="2" pos="2880">
-          <p15:clr>
-            <a:srgbClr val="A4A3A4"/>
-          </p15:clr>
-        </p15:guide>
-      </p15:sldGuideLst>
-    </p:ext>
-  </p:extLst>
 </p:presentation>
 </file>
 
@@ -161,9 +149,10 @@
           <a:lstStyle/>
           <a:p>
             <a:r>
-              <a:rPr lang="en-US"/>
+              <a:rPr lang="en-US" smtClean="0"/>
               <a:t>Click to edit Master title style</a:t>
             </a:r>
+            <a:endParaRPr lang="en-US"/>
           </a:p>
         </p:txBody>
       </p:sp>
@@ -279,9 +268,10 @@
           </a:lstStyle>
           <a:p>
             <a:r>
-              <a:rPr lang="en-US"/>
+              <a:rPr lang="en-US" smtClean="0"/>
               <a:t>Click to edit Master subtitle style</a:t>
             </a:r>
+            <a:endParaRPr lang="en-US"/>
           </a:p>
         </p:txBody>
       </p:sp>
@@ -302,7 +292,7 @@
           <a:p>
             <a:fld id="{5BCAD085-E8A6-8845-BD4E-CB4CCA059FC4}" type="datetimeFigureOut">
               <a:rPr lang="en-US" smtClean="0"/>
-              <a:t>1/24/2024</a:t>
+              <a:t>1/27/13</a:t>
             </a:fld>
             <a:endParaRPr lang="en-US"/>
           </a:p>
@@ -396,9 +386,10 @@
           <a:lstStyle/>
           <a:p>
             <a:r>
-              <a:rPr lang="en-US"/>
+              <a:rPr lang="en-US" smtClean="0"/>
               <a:t>Click to edit Master title style</a:t>
             </a:r>
+            <a:endParaRPr lang="en-US"/>
           </a:p>
         </p:txBody>
       </p:sp>
@@ -419,37 +410,38 @@
           <a:p>
             <a:pPr lvl="0"/>
             <a:r>
-              <a:rPr lang="en-US"/>
+              <a:rPr lang="en-US" smtClean="0"/>
               <a:t>Click to edit Master text styles</a:t>
             </a:r>
           </a:p>
           <a:p>
             <a:pPr lvl="1"/>
             <a:r>
-              <a:rPr lang="en-US"/>
+              <a:rPr lang="en-US" smtClean="0"/>
               <a:t>Second level</a:t>
             </a:r>
           </a:p>
           <a:p>
             <a:pPr lvl="2"/>
             <a:r>
-              <a:rPr lang="en-US"/>
+              <a:rPr lang="en-US" smtClean="0"/>
               <a:t>Third level</a:t>
             </a:r>
           </a:p>
           <a:p>
             <a:pPr lvl="3"/>
             <a:r>
-              <a:rPr lang="en-US"/>
+              <a:rPr lang="en-US" smtClean="0"/>
               <a:t>Fourth level</a:t>
             </a:r>
           </a:p>
           <a:p>
             <a:pPr lvl="4"/>
             <a:r>
-              <a:rPr lang="en-US"/>
+              <a:rPr lang="en-US" smtClean="0"/>
               <a:t>Fifth level</a:t>
             </a:r>
+            <a:endParaRPr lang="en-US"/>
           </a:p>
         </p:txBody>
       </p:sp>
@@ -470,7 +462,7 @@
           <a:p>
             <a:fld id="{5BCAD085-E8A6-8845-BD4E-CB4CCA059FC4}" type="datetimeFigureOut">
               <a:rPr lang="en-US" smtClean="0"/>
-              <a:t>1/24/2024</a:t>
+              <a:t>1/27/13</a:t>
             </a:fld>
             <a:endParaRPr lang="en-US"/>
           </a:p>
@@ -569,9 +561,10 @@
           <a:lstStyle/>
           <a:p>
             <a:r>
-              <a:rPr lang="en-US"/>
+              <a:rPr lang="en-US" smtClean="0"/>
               <a:t>Click to edit Master title style</a:t>
             </a:r>
+            <a:endParaRPr lang="en-US"/>
           </a:p>
         </p:txBody>
       </p:sp>
@@ -597,37 +590,38 @@
           <a:p>
             <a:pPr lvl="0"/>
             <a:r>
-              <a:rPr lang="en-US"/>
+              <a:rPr lang="en-US" smtClean="0"/>
               <a:t>Click to edit Master text styles</a:t>
             </a:r>
           </a:p>
           <a:p>
             <a:pPr lvl="1"/>
             <a:r>
-              <a:rPr lang="en-US"/>
+              <a:rPr lang="en-US" smtClean="0"/>
               <a:t>Second level</a:t>
             </a:r>
           </a:p>
           <a:p>
             <a:pPr lvl="2"/>
             <a:r>
-              <a:rPr lang="en-US"/>
+              <a:rPr lang="en-US" smtClean="0"/>
               <a:t>Third level</a:t>
             </a:r>
           </a:p>
           <a:p>
             <a:pPr lvl="3"/>
             <a:r>
-              <a:rPr lang="en-US"/>
+              <a:rPr lang="en-US" smtClean="0"/>
               <a:t>Fourth level</a:t>
             </a:r>
           </a:p>
           <a:p>
             <a:pPr lvl="4"/>
             <a:r>
-              <a:rPr lang="en-US"/>
+              <a:rPr lang="en-US" smtClean="0"/>
               <a:t>Fifth level</a:t>
             </a:r>
+            <a:endParaRPr lang="en-US"/>
           </a:p>
         </p:txBody>
       </p:sp>
@@ -648,7 +642,7 @@
           <a:p>
             <a:fld id="{5BCAD085-E8A6-8845-BD4E-CB4CCA059FC4}" type="datetimeFigureOut">
               <a:rPr lang="en-US" smtClean="0"/>
-              <a:t>1/24/2024</a:t>
+              <a:t>1/27/13</a:t>
             </a:fld>
             <a:endParaRPr lang="en-US"/>
           </a:p>
@@ -742,9 +736,10 @@
           <a:lstStyle/>
           <a:p>
             <a:r>
-              <a:rPr lang="en-US"/>
+              <a:rPr lang="en-US" smtClean="0"/>
               <a:t>Click to edit Master title style</a:t>
             </a:r>
+            <a:endParaRPr lang="en-US"/>
           </a:p>
         </p:txBody>
       </p:sp>
@@ -765,37 +760,38 @@
           <a:p>
             <a:pPr lvl="0"/>
             <a:r>
-              <a:rPr lang="en-US"/>
+              <a:rPr lang="en-US" smtClean="0"/>
               <a:t>Click to edit Master text styles</a:t>
             </a:r>
           </a:p>
           <a:p>
             <a:pPr lvl="1"/>
             <a:r>
-              <a:rPr lang="en-US"/>
+              <a:rPr lang="en-US" smtClean="0"/>
               <a:t>Second level</a:t>
             </a:r>
           </a:p>
           <a:p>
             <a:pPr lvl="2"/>
             <a:r>
-              <a:rPr lang="en-US"/>
+              <a:rPr lang="en-US" smtClean="0"/>
               <a:t>Third level</a:t>
             </a:r>
           </a:p>
           <a:p>
             <a:pPr lvl="3"/>
             <a:r>
-              <a:rPr lang="en-US"/>
+              <a:rPr lang="en-US" smtClean="0"/>
               <a:t>Fourth level</a:t>
             </a:r>
           </a:p>
           <a:p>
             <a:pPr lvl="4"/>
             <a:r>
-              <a:rPr lang="en-US"/>
+              <a:rPr lang="en-US" smtClean="0"/>
               <a:t>Fifth level</a:t>
             </a:r>
+            <a:endParaRPr lang="en-US"/>
           </a:p>
         </p:txBody>
       </p:sp>
@@ -816,7 +812,7 @@
           <a:p>
             <a:fld id="{5BCAD085-E8A6-8845-BD4E-CB4CCA059FC4}" type="datetimeFigureOut">
               <a:rPr lang="en-US" smtClean="0"/>
-              <a:t>1/24/2024</a:t>
+              <a:t>1/27/13</a:t>
             </a:fld>
             <a:endParaRPr lang="en-US"/>
           </a:p>
@@ -919,9 +915,10 @@
           </a:lstStyle>
           <a:p>
             <a:r>
-              <a:rPr lang="en-US"/>
+              <a:rPr lang="en-US" smtClean="0"/>
               <a:t>Click to edit Master title style</a:t>
             </a:r>
+            <a:endParaRPr lang="en-US"/>
           </a:p>
         </p:txBody>
       </p:sp>
@@ -1038,7 +1035,7 @@
           <a:p>
             <a:pPr lvl="0"/>
             <a:r>
-              <a:rPr lang="en-US"/>
+              <a:rPr lang="en-US" smtClean="0"/>
               <a:t>Click to edit Master text styles</a:t>
             </a:r>
           </a:p>
@@ -1061,7 +1058,7 @@
           <a:p>
             <a:fld id="{5BCAD085-E8A6-8845-BD4E-CB4CCA059FC4}" type="datetimeFigureOut">
               <a:rPr lang="en-US" smtClean="0"/>
-              <a:t>1/24/2024</a:t>
+              <a:t>1/27/13</a:t>
             </a:fld>
             <a:endParaRPr lang="en-US"/>
           </a:p>
@@ -1155,9 +1152,10 @@
           <a:lstStyle/>
           <a:p>
             <a:r>
-              <a:rPr lang="en-US"/>
+              <a:rPr lang="en-US" smtClean="0"/>
               <a:t>Click to edit Master title style</a:t>
             </a:r>
+            <a:endParaRPr lang="en-US"/>
           </a:p>
         </p:txBody>
       </p:sp>
@@ -1211,37 +1209,38 @@
           <a:p>
             <a:pPr lvl="0"/>
             <a:r>
-              <a:rPr lang="en-US"/>
+              <a:rPr lang="en-US" smtClean="0"/>
               <a:t>Click to edit Master text styles</a:t>
             </a:r>
           </a:p>
           <a:p>
             <a:pPr lvl="1"/>
             <a:r>
-              <a:rPr lang="en-US"/>
+              <a:rPr lang="en-US" smtClean="0"/>
               <a:t>Second level</a:t>
             </a:r>
           </a:p>
           <a:p>
             <a:pPr lvl="2"/>
             <a:r>
-              <a:rPr lang="en-US"/>
+              <a:rPr lang="en-US" smtClean="0"/>
               <a:t>Third level</a:t>
             </a:r>
           </a:p>
           <a:p>
             <a:pPr lvl="3"/>
             <a:r>
-              <a:rPr lang="en-US"/>
+              <a:rPr lang="en-US" smtClean="0"/>
               <a:t>Fourth level</a:t>
             </a:r>
           </a:p>
           <a:p>
             <a:pPr lvl="4"/>
             <a:r>
-              <a:rPr lang="en-US"/>
+              <a:rPr lang="en-US" smtClean="0"/>
               <a:t>Fifth level</a:t>
             </a:r>
+            <a:endParaRPr lang="en-US"/>
           </a:p>
         </p:txBody>
       </p:sp>
@@ -1295,37 +1294,38 @@
           <a:p>
             <a:pPr lvl="0"/>
             <a:r>
-              <a:rPr lang="en-US"/>
+              <a:rPr lang="en-US" smtClean="0"/>
               <a:t>Click to edit Master text styles</a:t>
             </a:r>
           </a:p>
           <a:p>
             <a:pPr lvl="1"/>
             <a:r>
-              <a:rPr lang="en-US"/>
+              <a:rPr lang="en-US" smtClean="0"/>
               <a:t>Second level</a:t>
             </a:r>
           </a:p>
           <a:p>
             <a:pPr lvl="2"/>
             <a:r>
-              <a:rPr lang="en-US"/>
+              <a:rPr lang="en-US" smtClean="0"/>
               <a:t>Third level</a:t>
             </a:r>
           </a:p>
           <a:p>
             <a:pPr lvl="3"/>
             <a:r>
-              <a:rPr lang="en-US"/>
+              <a:rPr lang="en-US" smtClean="0"/>
               <a:t>Fourth level</a:t>
             </a:r>
           </a:p>
           <a:p>
             <a:pPr lvl="4"/>
             <a:r>
-              <a:rPr lang="en-US"/>
+              <a:rPr lang="en-US" smtClean="0"/>
               <a:t>Fifth level</a:t>
             </a:r>
+            <a:endParaRPr lang="en-US"/>
           </a:p>
         </p:txBody>
       </p:sp>
@@ -1346,7 +1346,7 @@
           <a:p>
             <a:fld id="{5BCAD085-E8A6-8845-BD4E-CB4CCA059FC4}" type="datetimeFigureOut">
               <a:rPr lang="en-US" smtClean="0"/>
-              <a:t>1/24/2024</a:t>
+              <a:t>1/27/13</a:t>
             </a:fld>
             <a:endParaRPr lang="en-US"/>
           </a:p>
@@ -1444,9 +1444,10 @@
           </a:lstStyle>
           <a:p>
             <a:r>
-              <a:rPr lang="en-US"/>
+              <a:rPr lang="en-US" smtClean="0"/>
               <a:t>Click to edit Master title style</a:t>
             </a:r>
+            <a:endParaRPr lang="en-US"/>
           </a:p>
         </p:txBody>
       </p:sp>
@@ -1509,7 +1510,7 @@
           <a:p>
             <a:pPr lvl="0"/>
             <a:r>
-              <a:rPr lang="en-US"/>
+              <a:rPr lang="en-US" smtClean="0"/>
               <a:t>Click to edit Master text styles</a:t>
             </a:r>
           </a:p>
@@ -1565,37 +1566,38 @@
           <a:p>
             <a:pPr lvl="0"/>
             <a:r>
-              <a:rPr lang="en-US"/>
+              <a:rPr lang="en-US" smtClean="0"/>
               <a:t>Click to edit Master text styles</a:t>
             </a:r>
           </a:p>
           <a:p>
             <a:pPr lvl="1"/>
             <a:r>
-              <a:rPr lang="en-US"/>
+              <a:rPr lang="en-US" smtClean="0"/>
               <a:t>Second level</a:t>
             </a:r>
           </a:p>
           <a:p>
             <a:pPr lvl="2"/>
             <a:r>
-              <a:rPr lang="en-US"/>
+              <a:rPr lang="en-US" smtClean="0"/>
               <a:t>Third level</a:t>
             </a:r>
           </a:p>
           <a:p>
             <a:pPr lvl="3"/>
             <a:r>
-              <a:rPr lang="en-US"/>
+              <a:rPr lang="en-US" smtClean="0"/>
               <a:t>Fourth level</a:t>
             </a:r>
           </a:p>
           <a:p>
             <a:pPr lvl="4"/>
             <a:r>
-              <a:rPr lang="en-US"/>
+              <a:rPr lang="en-US" smtClean="0"/>
               <a:t>Fifth level</a:t>
             </a:r>
+            <a:endParaRPr lang="en-US"/>
           </a:p>
         </p:txBody>
       </p:sp>
@@ -1658,7 +1660,7 @@
           <a:p>
             <a:pPr lvl="0"/>
             <a:r>
-              <a:rPr lang="en-US"/>
+              <a:rPr lang="en-US" smtClean="0"/>
               <a:t>Click to edit Master text styles</a:t>
             </a:r>
           </a:p>
@@ -1714,37 +1716,38 @@
           <a:p>
             <a:pPr lvl="0"/>
             <a:r>
-              <a:rPr lang="en-US"/>
+              <a:rPr lang="en-US" smtClean="0"/>
               <a:t>Click to edit Master text styles</a:t>
             </a:r>
           </a:p>
           <a:p>
             <a:pPr lvl="1"/>
             <a:r>
-              <a:rPr lang="en-US"/>
+              <a:rPr lang="en-US" smtClean="0"/>
               <a:t>Second level</a:t>
             </a:r>
           </a:p>
           <a:p>
             <a:pPr lvl="2"/>
             <a:r>
-              <a:rPr lang="en-US"/>
+              <a:rPr lang="en-US" smtClean="0"/>
               <a:t>Third level</a:t>
             </a:r>
           </a:p>
           <a:p>
             <a:pPr lvl="3"/>
             <a:r>
-              <a:rPr lang="en-US"/>
+              <a:rPr lang="en-US" smtClean="0"/>
               <a:t>Fourth level</a:t>
             </a:r>
           </a:p>
           <a:p>
             <a:pPr lvl="4"/>
             <a:r>
-              <a:rPr lang="en-US"/>
+              <a:rPr lang="en-US" smtClean="0"/>
               <a:t>Fifth level</a:t>
             </a:r>
+            <a:endParaRPr lang="en-US"/>
           </a:p>
         </p:txBody>
       </p:sp>
@@ -1765,7 +1768,7 @@
           <a:p>
             <a:fld id="{5BCAD085-E8A6-8845-BD4E-CB4CCA059FC4}" type="datetimeFigureOut">
               <a:rPr lang="en-US" smtClean="0"/>
-              <a:t>1/24/2024</a:t>
+              <a:t>1/27/13</a:t>
             </a:fld>
             <a:endParaRPr lang="en-US"/>
           </a:p>
@@ -1859,9 +1862,10 @@
           <a:lstStyle/>
           <a:p>
             <a:r>
-              <a:rPr lang="en-US"/>
+              <a:rPr lang="en-US" smtClean="0"/>
               <a:t>Click to edit Master title style</a:t>
             </a:r>
+            <a:endParaRPr lang="en-US"/>
           </a:p>
         </p:txBody>
       </p:sp>
@@ -1882,7 +1886,7 @@
           <a:p>
             <a:fld id="{5BCAD085-E8A6-8845-BD4E-CB4CCA059FC4}" type="datetimeFigureOut">
               <a:rPr lang="en-US" smtClean="0"/>
-              <a:t>1/24/2024</a:t>
+              <a:t>1/27/13</a:t>
             </a:fld>
             <a:endParaRPr lang="en-US"/>
           </a:p>
@@ -1977,7 +1981,7 @@
           <a:p>
             <a:fld id="{5BCAD085-E8A6-8845-BD4E-CB4CCA059FC4}" type="datetimeFigureOut">
               <a:rPr lang="en-US" smtClean="0"/>
-              <a:t>1/24/2024</a:t>
+              <a:t>1/27/13</a:t>
             </a:fld>
             <a:endParaRPr lang="en-US"/>
           </a:p>
@@ -2080,9 +2084,10 @@
           </a:lstStyle>
           <a:p>
             <a:r>
-              <a:rPr lang="en-US"/>
+              <a:rPr lang="en-US" smtClean="0"/>
               <a:t>Click to edit Master title style</a:t>
             </a:r>
+            <a:endParaRPr lang="en-US"/>
           </a:p>
         </p:txBody>
       </p:sp>
@@ -2136,37 +2141,38 @@
           <a:p>
             <a:pPr lvl="0"/>
             <a:r>
-              <a:rPr lang="en-US"/>
+              <a:rPr lang="en-US" smtClean="0"/>
               <a:t>Click to edit Master text styles</a:t>
             </a:r>
           </a:p>
           <a:p>
             <a:pPr lvl="1"/>
             <a:r>
-              <a:rPr lang="en-US"/>
+              <a:rPr lang="en-US" smtClean="0"/>
               <a:t>Second level</a:t>
             </a:r>
           </a:p>
           <a:p>
             <a:pPr lvl="2"/>
             <a:r>
-              <a:rPr lang="en-US"/>
+              <a:rPr lang="en-US" smtClean="0"/>
               <a:t>Third level</a:t>
             </a:r>
           </a:p>
           <a:p>
             <a:pPr lvl="3"/>
             <a:r>
-              <a:rPr lang="en-US"/>
+              <a:rPr lang="en-US" smtClean="0"/>
               <a:t>Fourth level</a:t>
             </a:r>
           </a:p>
           <a:p>
             <a:pPr lvl="4"/>
             <a:r>
-              <a:rPr lang="en-US"/>
+              <a:rPr lang="en-US" smtClean="0"/>
               <a:t>Fifth level</a:t>
             </a:r>
+            <a:endParaRPr lang="en-US"/>
           </a:p>
         </p:txBody>
       </p:sp>
@@ -2229,7 +2235,7 @@
           <a:p>
             <a:pPr lvl="0"/>
             <a:r>
-              <a:rPr lang="en-US"/>
+              <a:rPr lang="en-US" smtClean="0"/>
               <a:t>Click to edit Master text styles</a:t>
             </a:r>
           </a:p>
@@ -2252,7 +2258,7 @@
           <a:p>
             <a:fld id="{5BCAD085-E8A6-8845-BD4E-CB4CCA059FC4}" type="datetimeFigureOut">
               <a:rPr lang="en-US" smtClean="0"/>
-              <a:t>1/24/2024</a:t>
+              <a:t>1/27/13</a:t>
             </a:fld>
             <a:endParaRPr lang="en-US"/>
           </a:p>
@@ -2355,9 +2361,10 @@
           </a:lstStyle>
           <a:p>
             <a:r>
-              <a:rPr lang="en-US"/>
+              <a:rPr lang="en-US" smtClean="0"/>
               <a:t>Click to edit Master title style</a:t>
             </a:r>
+            <a:endParaRPr lang="en-US"/>
           </a:p>
         </p:txBody>
       </p:sp>
@@ -2481,7 +2488,7 @@
           <a:p>
             <a:pPr lvl="0"/>
             <a:r>
-              <a:rPr lang="en-US"/>
+              <a:rPr lang="en-US" smtClean="0"/>
               <a:t>Click to edit Master text styles</a:t>
             </a:r>
           </a:p>
@@ -2504,7 +2511,7 @@
           <a:p>
             <a:fld id="{5BCAD085-E8A6-8845-BD4E-CB4CCA059FC4}" type="datetimeFigureOut">
               <a:rPr lang="en-US" smtClean="0"/>
-              <a:t>1/24/2024</a:t>
+              <a:t>1/27/13</a:t>
             </a:fld>
             <a:endParaRPr lang="en-US"/>
           </a:p>
@@ -2613,9 +2620,10 @@
           <a:lstStyle/>
           <a:p>
             <a:r>
-              <a:rPr lang="en-US"/>
+              <a:rPr lang="en-US" smtClean="0"/>
               <a:t>Click to edit Master title style</a:t>
             </a:r>
+            <a:endParaRPr lang="en-US"/>
           </a:p>
         </p:txBody>
       </p:sp>
@@ -2646,37 +2654,38 @@
           <a:p>
             <a:pPr lvl="0"/>
             <a:r>
-              <a:rPr lang="en-US"/>
+              <a:rPr lang="en-US" smtClean="0"/>
               <a:t>Click to edit Master text styles</a:t>
             </a:r>
           </a:p>
           <a:p>
             <a:pPr lvl="1"/>
             <a:r>
-              <a:rPr lang="en-US"/>
+              <a:rPr lang="en-US" smtClean="0"/>
               <a:t>Second level</a:t>
             </a:r>
           </a:p>
           <a:p>
             <a:pPr lvl="2"/>
             <a:r>
-              <a:rPr lang="en-US"/>
+              <a:rPr lang="en-US" smtClean="0"/>
               <a:t>Third level</a:t>
             </a:r>
           </a:p>
           <a:p>
             <a:pPr lvl="3"/>
             <a:r>
-              <a:rPr lang="en-US"/>
+              <a:rPr lang="en-US" smtClean="0"/>
               <a:t>Fourth level</a:t>
             </a:r>
           </a:p>
           <a:p>
             <a:pPr lvl="4"/>
             <a:r>
-              <a:rPr lang="en-US"/>
+              <a:rPr lang="en-US" smtClean="0"/>
               <a:t>Fifth level</a:t>
             </a:r>
+            <a:endParaRPr lang="en-US"/>
           </a:p>
         </p:txBody>
       </p:sp>
@@ -2715,7 +2724,7 @@
           <a:p>
             <a:fld id="{5BCAD085-E8A6-8845-BD4E-CB4CCA059FC4}" type="datetimeFigureOut">
               <a:rPr lang="en-US" smtClean="0"/>
-              <a:t>1/24/2024</a:t>
+              <a:t>1/27/13</a:t>
             </a:fld>
             <a:endParaRPr lang="en-US"/>
           </a:p>
@@ -3074,7 +3083,7 @@
 </file>
 
 <file path=ppt/slides/slide1.xml><?xml version="1.0" encoding="utf-8"?>
-<p:sld xmlns:a="http://schemas.openxmlformats.org/drawingml/2006/main" xmlns:r="http://schemas.openxmlformats.org/officeDocument/2006/relationships" xmlns:p="http://schemas.openxmlformats.org/presentationml/2006/main">
+<p:sld xmlns:a="http://schemas.openxmlformats.org/drawingml/2006/main" xmlns:p="http://schemas.openxmlformats.org/presentationml/2006/main" xmlns:r="http://schemas.openxmlformats.org/officeDocument/2006/relationships">
   <p:cSld>
     <p:spTree>
       <p:nvGrpSpPr>
@@ -3082,14 +3091,7 @@
         <p:cNvGrpSpPr/>
         <p:nvPr/>
       </p:nvGrpSpPr>
-      <p:grpSpPr>
-        <a:xfrm>
-          <a:off x="0" y="0"/>
-          <a:ext cx="0" cy="0"/>
-          <a:chOff x="0" y="0"/>
-          <a:chExt cx="0" cy="0"/>
-        </a:xfrm>
-      </p:grpSpPr>
+      <p:grpSpPr/>
       <p:sp>
         <p:nvSpPr>
           <p:cNvPr id="2" name="Title 1"/>
@@ -3105,7 +3107,9 @@
           <a:bodyPr/>
           <a:lstStyle/>
           <a:p>
-            <a:endParaRPr dirty="0"/>
+            <a:r>
+              <a:t>Introduction</a:t>
+            </a:r>
           </a:p>
         </p:txBody>
       </p:sp>
@@ -3124,8 +3128,260 @@
           <a:bodyPr/>
           <a:lstStyle/>
           <a:p>
-            <a:endParaRPr sz="1800" dirty="0"/>
-          </a:p>
+            <a:r>
+              <a:rPr sz="1800"/>
+              <a:t>Introduction</a:t>
+            </a:r>
+          </a:p>
+          <a:p/>
+        </p:txBody>
+      </p:sp>
+    </p:spTree>
+  </p:cSld>
+  <p:clrMapOvr>
+    <a:masterClrMapping/>
+  </p:clrMapOvr>
+</p:sld>
+</file>
+
+<file path=ppt/slides/slide2.xml><?xml version="1.0" encoding="utf-8"?>
+<p:sld xmlns:a="http://schemas.openxmlformats.org/drawingml/2006/main" xmlns:p="http://schemas.openxmlformats.org/presentationml/2006/main" xmlns:r="http://schemas.openxmlformats.org/officeDocument/2006/relationships">
+  <p:cSld>
+    <p:spTree>
+      <p:nvGrpSpPr>
+        <p:cNvPr id="1" name=""/>
+        <p:cNvGrpSpPr/>
+        <p:nvPr/>
+      </p:nvGrpSpPr>
+      <p:grpSpPr/>
+      <p:sp>
+        <p:nvSpPr>
+          <p:cNvPr id="2" name="Title 1"/>
+          <p:cNvSpPr>
+            <a:spLocks noGrp="1"/>
+          </p:cNvSpPr>
+          <p:nvPr>
+            <p:ph type="title"/>
+          </p:nvPr>
+        </p:nvSpPr>
+        <p:spPr/>
+        <p:txBody>
+          <a:bodyPr/>
+          <a:lstStyle/>
+          <a:p>
+            <a:r>
+              <a:t>Slide 2</a:t>
+            </a:r>
+          </a:p>
+        </p:txBody>
+      </p:sp>
+      <p:sp>
+        <p:nvSpPr>
+          <p:cNvPr id="3" name="Content Placeholder 2"/>
+          <p:cNvSpPr>
+            <a:spLocks noGrp="1"/>
+          </p:cNvSpPr>
+          <p:nvPr>
+            <p:ph idx="1"/>
+          </p:nvPr>
+        </p:nvSpPr>
+        <p:spPr/>
+        <p:txBody>
+          <a:bodyPr/>
+          <a:lstStyle/>
+          <a:p>
+            <a:r>
+              <a:rPr sz="1800"/>
+              <a:t>Parties Involved</a:t>
+            </a:r>
+          </a:p>
+          <a:p/>
+        </p:txBody>
+      </p:sp>
+    </p:spTree>
+  </p:cSld>
+  <p:clrMapOvr>
+    <a:masterClrMapping/>
+  </p:clrMapOvr>
+</p:sld>
+</file>
+
+<file path=ppt/slides/slide3.xml><?xml version="1.0" encoding="utf-8"?>
+<p:sld xmlns:a="http://schemas.openxmlformats.org/drawingml/2006/main" xmlns:p="http://schemas.openxmlformats.org/presentationml/2006/main" xmlns:r="http://schemas.openxmlformats.org/officeDocument/2006/relationships">
+  <p:cSld>
+    <p:spTree>
+      <p:nvGrpSpPr>
+        <p:cNvPr id="1" name=""/>
+        <p:cNvGrpSpPr/>
+        <p:nvPr/>
+      </p:nvGrpSpPr>
+      <p:grpSpPr/>
+      <p:sp>
+        <p:nvSpPr>
+          <p:cNvPr id="2" name="Title 1"/>
+          <p:cNvSpPr>
+            <a:spLocks noGrp="1"/>
+          </p:cNvSpPr>
+          <p:nvPr>
+            <p:ph type="title"/>
+          </p:nvPr>
+        </p:nvSpPr>
+        <p:spPr/>
+        <p:txBody>
+          <a:bodyPr/>
+          <a:lstStyle/>
+          <a:p>
+            <a:r>
+              <a:t>Slide 3</a:t>
+            </a:r>
+          </a:p>
+        </p:txBody>
+      </p:sp>
+      <p:sp>
+        <p:nvSpPr>
+          <p:cNvPr id="3" name="Content Placeholder 2"/>
+          <p:cNvSpPr>
+            <a:spLocks noGrp="1"/>
+          </p:cNvSpPr>
+          <p:nvPr>
+            <p:ph idx="1"/>
+          </p:nvPr>
+        </p:nvSpPr>
+        <p:spPr/>
+        <p:txBody>
+          <a:bodyPr/>
+          <a:lstStyle/>
+          <a:p>
+            <a:r>
+              <a:rPr sz="1800"/>
+              <a:t>Work Description</a:t>
+            </a:r>
+          </a:p>
+          <a:p/>
+        </p:txBody>
+      </p:sp>
+    </p:spTree>
+  </p:cSld>
+  <p:clrMapOvr>
+    <a:masterClrMapping/>
+  </p:clrMapOvr>
+</p:sld>
+</file>
+
+<file path=ppt/slides/slide4.xml><?xml version="1.0" encoding="utf-8"?>
+<p:sld xmlns:a="http://schemas.openxmlformats.org/drawingml/2006/main" xmlns:p="http://schemas.openxmlformats.org/presentationml/2006/main" xmlns:r="http://schemas.openxmlformats.org/officeDocument/2006/relationships">
+  <p:cSld>
+    <p:spTree>
+      <p:nvGrpSpPr>
+        <p:cNvPr id="1" name=""/>
+        <p:cNvGrpSpPr/>
+        <p:nvPr/>
+      </p:nvGrpSpPr>
+      <p:grpSpPr/>
+      <p:sp>
+        <p:nvSpPr>
+          <p:cNvPr id="2" name="Title 1"/>
+          <p:cNvSpPr>
+            <a:spLocks noGrp="1"/>
+          </p:cNvSpPr>
+          <p:nvPr>
+            <p:ph type="title"/>
+          </p:nvPr>
+        </p:nvSpPr>
+        <p:spPr/>
+        <p:txBody>
+          <a:bodyPr/>
+          <a:lstStyle/>
+          <a:p>
+            <a:r>
+              <a:t>Slide 4</a:t>
+            </a:r>
+          </a:p>
+        </p:txBody>
+      </p:sp>
+      <p:sp>
+        <p:nvSpPr>
+          <p:cNvPr id="3" name="Content Placeholder 2"/>
+          <p:cNvSpPr>
+            <a:spLocks noGrp="1"/>
+          </p:cNvSpPr>
+          <p:nvPr>
+            <p:ph idx="1"/>
+          </p:nvPr>
+        </p:nvSpPr>
+        <p:spPr/>
+        <p:txBody>
+          <a:bodyPr/>
+          <a:lstStyle/>
+          <a:p>
+            <a:r>
+              <a:rPr sz="1800"/>
+              <a:t>Agreement Terms</a:t>
+            </a:r>
+          </a:p>
+          <a:p/>
+        </p:txBody>
+      </p:sp>
+    </p:spTree>
+  </p:cSld>
+  <p:clrMapOvr>
+    <a:masterClrMapping/>
+  </p:clrMapOvr>
+</p:sld>
+</file>
+
+<file path=ppt/slides/slide5.xml><?xml version="1.0" encoding="utf-8"?>
+<p:sld xmlns:a="http://schemas.openxmlformats.org/drawingml/2006/main" xmlns:p="http://schemas.openxmlformats.org/presentationml/2006/main" xmlns:r="http://schemas.openxmlformats.org/officeDocument/2006/relationships">
+  <p:cSld>
+    <p:spTree>
+      <p:nvGrpSpPr>
+        <p:cNvPr id="1" name=""/>
+        <p:cNvGrpSpPr/>
+        <p:nvPr/>
+      </p:nvGrpSpPr>
+      <p:grpSpPr/>
+      <p:sp>
+        <p:nvSpPr>
+          <p:cNvPr id="2" name="Title 1"/>
+          <p:cNvSpPr>
+            <a:spLocks noGrp="1"/>
+          </p:cNvSpPr>
+          <p:nvPr>
+            <p:ph type="title"/>
+          </p:nvPr>
+        </p:nvSpPr>
+        <p:spPr/>
+        <p:txBody>
+          <a:bodyPr/>
+          <a:lstStyle/>
+          <a:p>
+            <a:r>
+              <a:t>Slide 5</a:t>
+            </a:r>
+          </a:p>
+        </p:txBody>
+      </p:sp>
+      <p:sp>
+        <p:nvSpPr>
+          <p:cNvPr id="3" name="Content Placeholder 2"/>
+          <p:cNvSpPr>
+            <a:spLocks noGrp="1"/>
+          </p:cNvSpPr>
+          <p:nvPr>
+            <p:ph idx="1"/>
+          </p:nvPr>
+        </p:nvSpPr>
+        <p:spPr/>
+        <p:txBody>
+          <a:bodyPr/>
+          <a:lstStyle/>
+          <a:p>
+            <a:r>
+              <a:rPr sz="1800"/>
+              <a:t>Conclusion</a:t>
+            </a:r>
+          </a:p>
+          <a:p/>
         </p:txBody>
       </p:sp>
     </p:spTree>
